--- a/JSON.pptx
+++ b/JSON.pptx
@@ -11,7 +11,9 @@
     <p:sldId id="262" r:id="rId5"/>
     <p:sldId id="263" r:id="rId6"/>
     <p:sldId id="264" r:id="rId7"/>
-    <p:sldId id="259" r:id="rId8"/>
+    <p:sldId id="265" r:id="rId8"/>
+    <p:sldId id="266" r:id="rId9"/>
+    <p:sldId id="259" r:id="rId10"/>
   </p:sldIdLst>
   <p:sldSz cx="12192000" cy="6858000"/>
   <p:notesSz cx="6858000" cy="9144000"/>
@@ -6443,164 +6445,10 @@
       </p:grpSpPr>
       <p:sp>
         <p:nvSpPr>
-          <p:cNvPr id="11" name="Rectangle 10">
-            <a:extLst>
-              <a:ext uri="{FF2B5EF4-FFF2-40B4-BE49-F238E27FC236}">
-                <a16:creationId xmlns:a16="http://schemas.microsoft.com/office/drawing/2014/main" id="{5E52985E-2553-471E-82AA-5ED7A329890A}"/>
-              </a:ext>
-              <a:ext uri="{C183D7F6-B498-43B3-948B-1728B52AA6E4}">
-                <adec:decorative xmlns:adec="http://schemas.microsoft.com/office/drawing/2017/decorative" val="1"/>
-              </a:ext>
-            </a:extLst>
-          </p:cNvPr>
-          <p:cNvSpPr>
-            <a:spLocks noGrp="1" noRot="1" noChangeAspect="1" noMove="1" noResize="1" noEditPoints="1" noAdjustHandles="1" noChangeArrowheads="1" noChangeShapeType="1" noTextEdit="1"/>
-          </p:cNvSpPr>
-          <p:nvPr>
-            <p:extLst>
-              <p:ext uri="{386F3935-93C4-4BCD-93E2-E3B085C9AB24}">
-                <p16:designElem xmlns:p16="http://schemas.microsoft.com/office/powerpoint/2015/main" val="1"/>
-              </p:ext>
-            </p:extLst>
-          </p:nvPr>
-        </p:nvSpPr>
-        <p:spPr bwMode="ltGray">
-          <a:xfrm>
-            <a:off x="393308" y="352931"/>
-            <a:ext cx="11438793" cy="1844256"/>
-          </a:xfrm>
-          <a:prstGeom prst="rect">
-            <a:avLst/>
-          </a:prstGeom>
-          <a:solidFill>
-            <a:schemeClr val="tx1">
-              <a:lumMod val="75000"/>
-              <a:lumOff val="25000"/>
-            </a:schemeClr>
-          </a:solidFill>
-          <a:ln w="127000" cap="sq" cmpd="thinThick">
-            <a:solidFill>
-              <a:schemeClr val="tx1">
-                <a:lumMod val="75000"/>
-                <a:lumOff val="25000"/>
-              </a:schemeClr>
-            </a:solidFill>
-          </a:ln>
-        </p:spPr>
-        <p:style>
-          <a:lnRef idx="2">
-            <a:schemeClr val="accent1">
-              <a:shade val="50000"/>
-            </a:schemeClr>
-          </a:lnRef>
-          <a:fillRef idx="1">
-            <a:schemeClr val="accent1"/>
-          </a:fillRef>
-          <a:effectRef idx="0">
-            <a:schemeClr val="accent1"/>
-          </a:effectRef>
-          <a:fontRef idx="minor">
-            <a:schemeClr val="lt1"/>
-          </a:fontRef>
-        </p:style>
-        <p:txBody>
-          <a:bodyPr rtlCol="0" anchor="ctr"/>
-          <a:lstStyle/>
-          <a:p>
-            <a:pPr marL="0" marR="0" lvl="0" indent="0" algn="ctr" defTabSz="914400" rtl="0" eaLnBrk="1" fontAlgn="auto" latinLnBrk="0" hangingPunct="1">
-              <a:lnSpc>
-                <a:spcPct val="100000"/>
-              </a:lnSpc>
-              <a:spcBef>
-                <a:spcPts val="0"/>
-              </a:spcBef>
-              <a:spcAft>
-                <a:spcPts val="0"/>
-              </a:spcAft>
-              <a:buClrTx/>
-              <a:buSzTx/>
-              <a:buFontTx/>
-              <a:buNone/>
-              <a:tabLst/>
-              <a:defRPr/>
-            </a:pPr>
-            <a:endParaRPr kumimoji="0" lang="en-US" sz="1800" b="0" i="0" u="none" strike="noStrike" kern="1200" cap="none" spc="0" normalizeH="0" baseline="0" noProof="0">
-              <a:ln>
-                <a:noFill/>
-              </a:ln>
-              <a:solidFill>
-                <a:prstClr val="white"/>
-              </a:solidFill>
-              <a:effectLst/>
-              <a:uLnTx/>
-              <a:uFillTx/>
-              <a:latin typeface="Calibri" panose="020F0502020204030204"/>
-              <a:ea typeface="+mn-ea"/>
-              <a:cs typeface="+mn-cs"/>
-            </a:endParaRPr>
-          </a:p>
-        </p:txBody>
-      </p:sp>
-      <p:cxnSp>
-        <p:nvCxnSpPr>
-          <p:cNvPr id="13" name="Straight Connector 12">
-            <a:extLst>
-              <a:ext uri="{FF2B5EF4-FFF2-40B4-BE49-F238E27FC236}">
-                <a16:creationId xmlns:a16="http://schemas.microsoft.com/office/drawing/2014/main" id="{DAE3ABC6-4042-4293-A7DF-F01181363B7E}"/>
-              </a:ext>
-              <a:ext uri="{C183D7F6-B498-43B3-948B-1728B52AA6E4}">
-                <adec:decorative xmlns:adec="http://schemas.microsoft.com/office/drawing/2017/decorative" val="1"/>
-              </a:ext>
-            </a:extLst>
-          </p:cNvPr>
-          <p:cNvCxnSpPr>
-            <a:cxnSpLocks noGrp="1" noRot="1" noChangeAspect="1" noMove="1" noResize="1" noEditPoints="1" noAdjustHandles="1" noChangeArrowheads="1" noChangeShapeType="1"/>
-          </p:cNvCxnSpPr>
-          <p:nvPr>
-            <p:extLst>
-              <p:ext uri="{386F3935-93C4-4BCD-93E2-E3B085C9AB24}">
-                <p16:designElem xmlns:p16="http://schemas.microsoft.com/office/powerpoint/2015/main" val="1"/>
-              </p:ext>
-            </p:extLst>
-          </p:nvPr>
-        </p:nvCxnSpPr>
-        <p:spPr>
-          <a:xfrm flipV="1">
-            <a:off x="4739873" y="580963"/>
-            <a:ext cx="0" cy="1371600"/>
-          </a:xfrm>
-          <a:prstGeom prst="line">
-            <a:avLst/>
-          </a:prstGeom>
-          <a:ln w="19050">
-            <a:solidFill>
-              <a:schemeClr val="bg1">
-                <a:alpha val="75000"/>
-              </a:schemeClr>
-            </a:solidFill>
-          </a:ln>
-        </p:spPr>
-        <p:style>
-          <a:lnRef idx="1">
-            <a:schemeClr val="accent1"/>
-          </a:lnRef>
-          <a:fillRef idx="0">
-            <a:schemeClr val="accent1"/>
-          </a:fillRef>
-          <a:effectRef idx="0">
-            <a:schemeClr val="accent1"/>
-          </a:effectRef>
-          <a:fontRef idx="minor">
-            <a:schemeClr val="tx1"/>
-          </a:fontRef>
-        </p:style>
-      </p:cxnSp>
-      <p:sp>
-        <p:nvSpPr>
-          <p:cNvPr id="3" name="Content Placeholder 2">
-            <a:extLst>
-              <a:ext uri="{FF2B5EF4-FFF2-40B4-BE49-F238E27FC236}">
-                <a16:creationId xmlns:a16="http://schemas.microsoft.com/office/drawing/2014/main" id="{A1ADA9A7-9478-445B-8223-ADBA45F6719B}"/>
+          <p:cNvPr id="7" name="Title 6">
+            <a:extLst>
+              <a:ext uri="{FF2B5EF4-FFF2-40B4-BE49-F238E27FC236}">
+                <a16:creationId xmlns:a16="http://schemas.microsoft.com/office/drawing/2014/main" id="{55EC6A5F-C36F-41AC-B018-C7831270BB7F}"/>
               </a:ext>
             </a:extLst>
           </p:cNvPr>
@@ -6608,71 +6456,40 @@
             <a:spLocks noGrp="1"/>
           </p:cNvSpPr>
           <p:nvPr>
-            <p:ph idx="1"/>
+            <p:ph type="title"/>
           </p:nvPr>
         </p:nvSpPr>
         <p:spPr>
           <a:xfrm>
-            <a:off x="4945336" y="506727"/>
-            <a:ext cx="6609921" cy="1526741"/>
+            <a:off x="928816" y="454173"/>
+            <a:ext cx="10515600" cy="571192"/>
           </a:xfrm>
         </p:spPr>
         <p:txBody>
-          <a:bodyPr anchor="ctr">
-            <a:normAutofit/>
+          <a:bodyPr>
+            <a:noAutofit/>
           </a:bodyPr>
           <a:lstStyle/>
           <a:p>
-            <a:pPr marL="0" indent="0">
-              <a:buNone/>
-            </a:pPr>
-            <a:r>
-              <a:rPr lang="en-US" sz="2200">
-                <a:solidFill>
-                  <a:schemeClr val="bg1"/>
-                </a:solidFill>
+            <a:r>
+              <a:rPr lang="en-US" sz="2800" b="1" dirty="0">
+                <a:latin typeface="+mn-lt"/>
+                <a:ea typeface="+mn-ea"/>
+                <a:cs typeface="+mn-cs"/>
               </a:rPr>
               <a:t>JSON is built on two structures:</a:t>
             </a:r>
-          </a:p>
-          <a:p>
-            <a:pPr marL="0" indent="0">
-              <a:buNone/>
-            </a:pPr>
-            <a:r>
-              <a:rPr lang="en-US" sz="2200">
-                <a:solidFill>
-                  <a:schemeClr val="bg1"/>
-                </a:solidFill>
+            <a:br>
+              <a:rPr lang="en-US" sz="2800" dirty="0">
+                <a:latin typeface="+mn-lt"/>
+                <a:ea typeface="+mn-ea"/>
+                <a:cs typeface="+mn-cs"/>
               </a:rPr>
-              <a:t>A collection of name/value pairs. In various languages, this is realized as an </a:t>
-            </a:r>
-            <a:r>
-              <a:rPr lang="en-US" sz="2200" i="1">
-                <a:solidFill>
-                  <a:schemeClr val="bg1"/>
-                </a:solidFill>
-              </a:rPr>
-              <a:t>object</a:t>
-            </a:r>
-            <a:r>
-              <a:rPr lang="en-US" sz="2200">
-                <a:solidFill>
-                  <a:schemeClr val="bg1"/>
-                </a:solidFill>
-              </a:rPr>
-              <a:t>, record, struct, dictionary, hash table, keyed list, or associative array.</a:t>
-            </a:r>
-          </a:p>
-          <a:p>
-            <a:pPr marL="0" indent="0">
-              <a:buNone/>
-            </a:pPr>
-            <a:endParaRPr lang="en-IN" sz="2200">
-              <a:solidFill>
-                <a:schemeClr val="bg1"/>
-              </a:solidFill>
-            </a:endParaRPr>
+            </a:br>
+            <a:br>
+              <a:rPr lang="en-IN" sz="2400" dirty="0"/>
+            </a:br>
+            <a:endParaRPr lang="en-IN" sz="2400" dirty="0"/>
           </a:p>
         </p:txBody>
       </p:sp>
@@ -6936,6 +6753,49 @@
               </a:rPr>
               <a:t>}}</a:t>
             </a:r>
+          </a:p>
+        </p:txBody>
+      </p:sp>
+      <p:sp>
+        <p:nvSpPr>
+          <p:cNvPr id="12" name="TextBox 11">
+            <a:extLst>
+              <a:ext uri="{FF2B5EF4-FFF2-40B4-BE49-F238E27FC236}">
+                <a16:creationId xmlns:a16="http://schemas.microsoft.com/office/drawing/2014/main" id="{D705F3DB-A13E-4929-B922-A25244F1551F}"/>
+              </a:ext>
+            </a:extLst>
+          </p:cNvPr>
+          <p:cNvSpPr txBox="1"/>
+          <p:nvPr/>
+        </p:nvSpPr>
+        <p:spPr>
+          <a:xfrm>
+            <a:off x="838201" y="796297"/>
+            <a:ext cx="10606216" cy="1661993"/>
+          </a:xfrm>
+          <a:prstGeom prst="rect">
+            <a:avLst/>
+          </a:prstGeom>
+          <a:noFill/>
+        </p:spPr>
+        <p:txBody>
+          <a:bodyPr wrap="square">
+            <a:spAutoFit/>
+          </a:bodyPr>
+          <a:lstStyle/>
+          <a:p>
+            <a:pPr marL="457200" indent="-457200">
+              <a:buFont typeface="Arial" panose="020B0604020202020204" pitchFamily="34" charset="0"/>
+              <a:buChar char="•"/>
+            </a:pPr>
+            <a:r>
+              <a:rPr lang="en-US" sz="2800" dirty="0"/>
+              <a:t>A collection of name/value pairs: In various languages, this is realized as an object, record, struct, dictionary, hash table, keyed list, or associative array.</a:t>
+            </a:r>
+            <a:br>
+              <a:rPr lang="en-US" sz="1600" dirty="0"/>
+            </a:br>
+            <a:endParaRPr lang="en-IN" dirty="0"/>
           </a:p>
         </p:txBody>
       </p:sp>
@@ -6995,12 +6855,9 @@
           <a:bodyPr/>
           <a:lstStyle/>
           <a:p>
-            <a:pPr marL="0" indent="0">
-              <a:buNone/>
-            </a:pPr>
             <a:r>
               <a:rPr lang="en-US" dirty="0"/>
-              <a:t>An ordered list of values. In most languages, this is realized as an </a:t>
+              <a:t>An ordered list of values: In most languages, this is realized as an </a:t>
             </a:r>
             <a:r>
               <a:rPr lang="en-US" i="1" dirty="0"/>
@@ -7486,8 +7343,16 @@
                 <a:ea typeface="+mj-ea"/>
                 <a:cs typeface="+mj-cs"/>
               </a:rPr>
-              <a:t>Demo of forming and exchanging a JSON</a:t>
-            </a:r>
+              <a:t>JSON Demo</a:t>
+            </a:r>
+            <a:endParaRPr lang="en-US" sz="5000" kern="1200" dirty="0">
+              <a:solidFill>
+                <a:srgbClr val="FFFFFF"/>
+              </a:solidFill>
+              <a:latin typeface="+mj-lt"/>
+              <a:ea typeface="+mj-ea"/>
+              <a:cs typeface="+mj-cs"/>
+            </a:endParaRPr>
           </a:p>
         </p:txBody>
       </p:sp>
@@ -7597,6 +7462,197 @@
 <file path=ppt/slides/slide7.xml><?xml version="1.0" encoding="utf-8"?>
 <p:sld xmlns:a="http://schemas.openxmlformats.org/drawingml/2006/main" xmlns:r="http://schemas.openxmlformats.org/officeDocument/2006/relationships" xmlns:p="http://schemas.openxmlformats.org/presentationml/2006/main">
   <p:cSld>
+    <p:spTree>
+      <p:nvGrpSpPr>
+        <p:cNvPr id="1" name=""/>
+        <p:cNvGrpSpPr/>
+        <p:nvPr/>
+      </p:nvGrpSpPr>
+      <p:grpSpPr>
+        <a:xfrm>
+          <a:off x="0" y="0"/>
+          <a:ext cx="0" cy="0"/>
+          <a:chOff x="0" y="0"/>
+          <a:chExt cx="0" cy="0"/>
+        </a:xfrm>
+      </p:grpSpPr>
+      <p:sp>
+        <p:nvSpPr>
+          <p:cNvPr id="2" name="Title 1">
+            <a:extLst>
+              <a:ext uri="{FF2B5EF4-FFF2-40B4-BE49-F238E27FC236}">
+                <a16:creationId xmlns:a16="http://schemas.microsoft.com/office/drawing/2014/main" id="{D315319A-C7C3-4B9B-8DF8-7E7028FF120C}"/>
+              </a:ext>
+            </a:extLst>
+          </p:cNvPr>
+          <p:cNvSpPr>
+            <a:spLocks noGrp="1"/>
+          </p:cNvSpPr>
+          <p:nvPr>
+            <p:ph type="title"/>
+          </p:nvPr>
+        </p:nvSpPr>
+        <p:spPr/>
+        <p:txBody>
+          <a:bodyPr>
+            <a:normAutofit/>
+          </a:bodyPr>
+          <a:lstStyle/>
+          <a:p>
+            <a:r>
+              <a:rPr lang="en-IN" i="0" u="none" strike="noStrike" dirty="0" err="1">
+                <a:solidFill>
+                  <a:srgbClr val="333333"/>
+                </a:solidFill>
+                <a:effectLst/>
+                <a:latin typeface="BlinkMacSystemFont"/>
+              </a:rPr>
+              <a:t>JSON.Stringify</a:t>
+            </a:r>
+            <a:r>
+              <a:rPr lang="en-IN" i="0" u="none" strike="noStrike" dirty="0">
+                <a:solidFill>
+                  <a:srgbClr val="333333"/>
+                </a:solidFill>
+                <a:effectLst/>
+                <a:latin typeface="BlinkMacSystemFont"/>
+              </a:rPr>
+              <a:t> and </a:t>
+            </a:r>
+            <a:r>
+              <a:rPr lang="en-IN" i="0" u="none" strike="noStrike" dirty="0" err="1">
+                <a:solidFill>
+                  <a:srgbClr val="333333"/>
+                </a:solidFill>
+                <a:effectLst/>
+                <a:latin typeface="BlinkMacSystemFont"/>
+              </a:rPr>
+              <a:t>JSON.Parse</a:t>
+            </a:r>
+            <a:br>
+              <a:rPr lang="en-IN" b="1" i="0" dirty="0">
+                <a:solidFill>
+                  <a:srgbClr val="333333"/>
+                </a:solidFill>
+                <a:effectLst/>
+                <a:latin typeface="BlinkMacSystemFont"/>
+              </a:rPr>
+            </a:br>
+            <a:endParaRPr lang="en-IN" dirty="0"/>
+          </a:p>
+        </p:txBody>
+      </p:sp>
+      <p:pic>
+        <p:nvPicPr>
+          <p:cNvPr id="11" name="Picture 10">
+            <a:extLst>
+              <a:ext uri="{FF2B5EF4-FFF2-40B4-BE49-F238E27FC236}">
+                <a16:creationId xmlns:a16="http://schemas.microsoft.com/office/drawing/2014/main" id="{5FE5DE76-E40E-409B-8253-E36CD410D9A8}"/>
+              </a:ext>
+            </a:extLst>
+          </p:cNvPr>
+          <p:cNvPicPr>
+            <a:picLocks noChangeAspect="1"/>
+          </p:cNvPicPr>
+          <p:nvPr/>
+        </p:nvPicPr>
+        <p:blipFill>
+          <a:blip r:embed="rId2"/>
+          <a:stretch>
+            <a:fillRect/>
+          </a:stretch>
+        </p:blipFill>
+        <p:spPr>
+          <a:xfrm>
+            <a:off x="1052385" y="1650855"/>
+            <a:ext cx="3840892" cy="4418136"/>
+          </a:xfrm>
+          <a:prstGeom prst="rect">
+            <a:avLst/>
+          </a:prstGeom>
+        </p:spPr>
+      </p:pic>
+      <p:pic>
+        <p:nvPicPr>
+          <p:cNvPr id="13" name="Picture 12">
+            <a:extLst>
+              <a:ext uri="{FF2B5EF4-FFF2-40B4-BE49-F238E27FC236}">
+                <a16:creationId xmlns:a16="http://schemas.microsoft.com/office/drawing/2014/main" id="{7961B925-B4E0-45CB-AE36-3B2DD1A299B2}"/>
+              </a:ext>
+            </a:extLst>
+          </p:cNvPr>
+          <p:cNvPicPr>
+            <a:picLocks noChangeAspect="1"/>
+          </p:cNvPicPr>
+          <p:nvPr/>
+        </p:nvPicPr>
+        <p:blipFill>
+          <a:blip r:embed="rId3"/>
+          <a:stretch>
+            <a:fillRect/>
+          </a:stretch>
+        </p:blipFill>
+        <p:spPr>
+          <a:xfrm>
+            <a:off x="6163833" y="2193250"/>
+            <a:ext cx="4792491" cy="2471499"/>
+          </a:xfrm>
+          <a:prstGeom prst="rect">
+            <a:avLst/>
+          </a:prstGeom>
+        </p:spPr>
+      </p:pic>
+      <p:pic>
+        <p:nvPicPr>
+          <p:cNvPr id="17" name="Content Placeholder 16">
+            <a:extLst>
+              <a:ext uri="{FF2B5EF4-FFF2-40B4-BE49-F238E27FC236}">
+                <a16:creationId xmlns:a16="http://schemas.microsoft.com/office/drawing/2014/main" id="{782747C7-9A03-4B1A-9060-B4687F3DDE28}"/>
+              </a:ext>
+            </a:extLst>
+          </p:cNvPr>
+          <p:cNvPicPr>
+            <a:picLocks noGrp="1" noChangeAspect="1"/>
+          </p:cNvPicPr>
+          <p:nvPr>
+            <p:ph idx="1"/>
+          </p:nvPr>
+        </p:nvPicPr>
+        <p:blipFill>
+          <a:blip r:embed="rId4">
+            <a:extLst>
+              <a:ext uri="{28A0092B-C50C-407E-A947-70E740481C1C}">
+                <a14:useLocalDpi xmlns:a14="http://schemas.microsoft.com/office/drawing/2010/main" val="0"/>
+              </a:ext>
+            </a:extLst>
+          </a:blip>
+          <a:stretch>
+            <a:fillRect/>
+          </a:stretch>
+        </p:blipFill>
+        <p:spPr>
+          <a:xfrm>
+            <a:off x="10061356" y="5167311"/>
+            <a:ext cx="1905266" cy="1905266"/>
+          </a:xfrm>
+        </p:spPr>
+      </p:pic>
+    </p:spTree>
+    <p:extLst>
+      <p:ext uri="{BB962C8B-B14F-4D97-AF65-F5344CB8AC3E}">
+        <p14:creationId xmlns:p14="http://schemas.microsoft.com/office/powerpoint/2010/main" val="1121267605"/>
+      </p:ext>
+    </p:extLst>
+  </p:cSld>
+  <p:clrMapOvr>
+    <a:masterClrMapping/>
+  </p:clrMapOvr>
+</p:sld>
+</file>
+
+<file path=ppt/slides/slide8.xml><?xml version="1.0" encoding="utf-8"?>
+<p:sld xmlns:a="http://schemas.openxmlformats.org/drawingml/2006/main" xmlns:r="http://schemas.openxmlformats.org/officeDocument/2006/relationships" xmlns:p="http://schemas.openxmlformats.org/presentationml/2006/main">
+  <p:cSld>
     <p:bg>
       <p:bgPr>
         <a:solidFill>
@@ -7624,6 +7680,406 @@
           <p:cNvPr id="2" name="Title 1">
             <a:extLst>
               <a:ext uri="{FF2B5EF4-FFF2-40B4-BE49-F238E27FC236}">
+                <a16:creationId xmlns:a16="http://schemas.microsoft.com/office/drawing/2014/main" id="{5016C4EA-CE26-45E5-B39D-D862F965211C}"/>
+              </a:ext>
+            </a:extLst>
+          </p:cNvPr>
+          <p:cNvSpPr>
+            <a:spLocks noGrp="1"/>
+          </p:cNvSpPr>
+          <p:nvPr>
+            <p:ph type="title"/>
+          </p:nvPr>
+        </p:nvSpPr>
+        <p:spPr>
+          <a:xfrm>
+            <a:off x="961768" y="100409"/>
+            <a:ext cx="10515600" cy="1325563"/>
+          </a:xfrm>
+        </p:spPr>
+        <p:txBody>
+          <a:bodyPr/>
+          <a:lstStyle/>
+          <a:p>
+            <a:r>
+              <a:rPr lang="en-US" dirty="0"/>
+              <a:t>Summary</a:t>
+            </a:r>
+            <a:endParaRPr lang="en-IN" dirty="0"/>
+          </a:p>
+        </p:txBody>
+      </p:sp>
+      <p:sp>
+        <p:nvSpPr>
+          <p:cNvPr id="4" name="Rectangle 1">
+            <a:extLst>
+              <a:ext uri="{FF2B5EF4-FFF2-40B4-BE49-F238E27FC236}">
+                <a16:creationId xmlns:a16="http://schemas.microsoft.com/office/drawing/2014/main" id="{97447DF5-BC46-469C-98F7-0BB3A76AE925}"/>
+              </a:ext>
+            </a:extLst>
+          </p:cNvPr>
+          <p:cNvSpPr>
+            <a:spLocks noGrp="1" noChangeArrowheads="1"/>
+          </p:cNvSpPr>
+          <p:nvPr>
+            <p:ph idx="1"/>
+          </p:nvPr>
+        </p:nvSpPr>
+        <p:spPr bwMode="auto">
+          <a:xfrm>
+            <a:off x="838200" y="1027906"/>
+            <a:ext cx="9854514" cy="5729685"/>
+          </a:xfrm>
+          <a:prstGeom prst="rect">
+            <a:avLst/>
+          </a:prstGeom>
+          <a:solidFill>
+            <a:srgbClr val="FFFFFF"/>
+          </a:solidFill>
+          <a:ln>
+            <a:noFill/>
+          </a:ln>
+          <a:effectLst/>
+          <a:extLst>
+            <a:ext uri="{91240B29-F687-4F45-9708-019B960494DF}">
+              <a14:hiddenLine xmlns:a14="http://schemas.microsoft.com/office/drawing/2010/main" w="9525">
+                <a:solidFill>
+                  <a:schemeClr val="tx1"/>
+                </a:solidFill>
+                <a:miter lim="800000"/>
+                <a:headEnd/>
+                <a:tailEnd/>
+              </a14:hiddenLine>
+            </a:ext>
+            <a:ext uri="{AF507438-7753-43E0-B8FC-AC1667EBCBE1}">
+              <a14:hiddenEffects xmlns:a14="http://schemas.microsoft.com/office/drawing/2010/main">
+                <a:effectLst>
+                  <a:outerShdw dist="35921" dir="2700000" algn="ctr" rotWithShape="0">
+                    <a:schemeClr val="bg2"/>
+                  </a:outerShdw>
+                </a:effectLst>
+              </a14:hiddenEffects>
+            </a:ext>
+          </a:extLst>
+        </p:spPr>
+        <p:txBody>
+          <a:bodyPr vert="horz" wrap="square" lIns="0" tIns="139656" rIns="0" bIns="139656" numCol="1" anchor="ctr" anchorCtr="0" compatLnSpc="1">
+            <a:prstTxWarp prst="textNoShape">
+              <a:avLst/>
+            </a:prstTxWarp>
+            <a:spAutoFit/>
+          </a:bodyPr>
+          <a:lstStyle/>
+          <a:p>
+            <a:pPr marL="0" marR="0" lvl="0" indent="0" algn="l" defTabSz="914400" rtl="0" eaLnBrk="0" fontAlgn="base" latinLnBrk="0" hangingPunct="0">
+              <a:lnSpc>
+                <a:spcPct val="100000"/>
+              </a:lnSpc>
+              <a:spcBef>
+                <a:spcPct val="0"/>
+              </a:spcBef>
+              <a:spcAft>
+                <a:spcPct val="0"/>
+              </a:spcAft>
+              <a:buClrTx/>
+              <a:buSzTx/>
+              <a:buFontTx/>
+              <a:buNone/>
+              <a:tabLst/>
+            </a:pPr>
+            <a:endParaRPr lang="en-US" altLang="en-US" dirty="0"/>
+          </a:p>
+          <a:p>
+            <a:pPr marR="0" lvl="0" algn="l" defTabSz="914400" rtl="0" eaLnBrk="0" fontAlgn="base" latinLnBrk="0" hangingPunct="0">
+              <a:lnSpc>
+                <a:spcPct val="100000"/>
+              </a:lnSpc>
+              <a:spcBef>
+                <a:spcPct val="0"/>
+              </a:spcBef>
+              <a:spcAft>
+                <a:spcPct val="0"/>
+              </a:spcAft>
+              <a:buClrTx/>
+              <a:buSzTx/>
+              <a:buFont typeface="Wingdings" panose="05000000000000000000" pitchFamily="2" charset="2"/>
+              <a:buChar char="Ø"/>
+              <a:tabLst/>
+            </a:pPr>
+            <a:r>
+              <a:rPr lang="en-US" altLang="en-US" dirty="0"/>
+              <a:t>JSON is a data format that has its own independent standard and libraries for most programming languages.</a:t>
+            </a:r>
+          </a:p>
+          <a:p>
+            <a:pPr marL="0" marR="0" lvl="0" indent="0" algn="l" defTabSz="914400" rtl="0" eaLnBrk="0" fontAlgn="base" latinLnBrk="0" hangingPunct="0">
+              <a:lnSpc>
+                <a:spcPct val="100000"/>
+              </a:lnSpc>
+              <a:spcBef>
+                <a:spcPct val="0"/>
+              </a:spcBef>
+              <a:spcAft>
+                <a:spcPct val="0"/>
+              </a:spcAft>
+              <a:buClrTx/>
+              <a:buSzTx/>
+              <a:buNone/>
+              <a:tabLst/>
+            </a:pPr>
+            <a:endParaRPr lang="en-US" altLang="en-US" dirty="0"/>
+          </a:p>
+          <a:p>
+            <a:pPr marR="0" lvl="0" algn="l" defTabSz="914400" rtl="0" eaLnBrk="0" fontAlgn="base" latinLnBrk="0" hangingPunct="0">
+              <a:lnSpc>
+                <a:spcPct val="100000"/>
+              </a:lnSpc>
+              <a:spcBef>
+                <a:spcPct val="0"/>
+              </a:spcBef>
+              <a:spcAft>
+                <a:spcPct val="0"/>
+              </a:spcAft>
+              <a:buClrTx/>
+              <a:buSzTx/>
+              <a:buFont typeface="Wingdings" panose="05000000000000000000" pitchFamily="2" charset="2"/>
+              <a:buChar char="Ø"/>
+              <a:tabLst/>
+            </a:pPr>
+            <a:r>
+              <a:rPr lang="en-US" altLang="en-US" dirty="0"/>
+              <a:t>JSON supports plain objects, arrays, strings, numbers, </a:t>
+            </a:r>
+            <a:r>
+              <a:rPr lang="en-US" altLang="en-US" dirty="0" err="1"/>
+              <a:t>booleans</a:t>
+            </a:r>
+            <a:r>
+              <a:rPr lang="en-US" altLang="en-US" dirty="0"/>
+              <a:t>, and null.</a:t>
+            </a:r>
+          </a:p>
+          <a:p>
+            <a:pPr marL="0" marR="0" lvl="0" indent="0" algn="l" defTabSz="914400" rtl="0" eaLnBrk="0" fontAlgn="base" latinLnBrk="0" hangingPunct="0">
+              <a:lnSpc>
+                <a:spcPct val="100000"/>
+              </a:lnSpc>
+              <a:spcBef>
+                <a:spcPct val="0"/>
+              </a:spcBef>
+              <a:spcAft>
+                <a:spcPct val="0"/>
+              </a:spcAft>
+              <a:buClrTx/>
+              <a:buSzTx/>
+              <a:buNone/>
+              <a:tabLst/>
+            </a:pPr>
+            <a:endParaRPr lang="en-US" altLang="en-US" dirty="0"/>
+          </a:p>
+          <a:p>
+            <a:pPr marR="0" lvl="0" algn="l" defTabSz="914400" rtl="0" eaLnBrk="0" fontAlgn="base" latinLnBrk="0" hangingPunct="0">
+              <a:lnSpc>
+                <a:spcPct val="100000"/>
+              </a:lnSpc>
+              <a:spcBef>
+                <a:spcPct val="0"/>
+              </a:spcBef>
+              <a:spcAft>
+                <a:spcPct val="0"/>
+              </a:spcAft>
+              <a:buClrTx/>
+              <a:buSzTx/>
+              <a:buFont typeface="Wingdings" panose="05000000000000000000" pitchFamily="2" charset="2"/>
+              <a:buChar char="Ø"/>
+              <a:tabLst/>
+            </a:pPr>
+            <a:r>
+              <a:rPr lang="en-US" altLang="en-US" dirty="0"/>
+              <a:t>JavaScript provides methods </a:t>
+            </a:r>
+            <a:r>
+              <a:rPr lang="en-US" altLang="en-US" dirty="0" err="1">
+                <a:hlinkClick r:id="rId3">
+                  <a:extLst>
+                    <a:ext uri="{A12FA001-AC4F-418D-AE19-62706E023703}">
+                      <ahyp:hlinkClr xmlns:ahyp="http://schemas.microsoft.com/office/drawing/2018/hyperlinkcolor" val="tx"/>
+                    </a:ext>
+                  </a:extLst>
+                </a:hlinkClick>
+              </a:rPr>
+              <a:t>JSON.stringify</a:t>
+            </a:r>
+            <a:r>
+              <a:rPr lang="en-US" altLang="en-US" dirty="0"/>
+              <a:t> to serialize into JSON and </a:t>
+            </a:r>
+            <a:r>
+              <a:rPr lang="en-US" altLang="en-US" dirty="0" err="1">
+                <a:hlinkClick r:id="rId4">
+                  <a:extLst>
+                    <a:ext uri="{A12FA001-AC4F-418D-AE19-62706E023703}">
+                      <ahyp:hlinkClr xmlns:ahyp="http://schemas.microsoft.com/office/drawing/2018/hyperlinkcolor" val="tx"/>
+                    </a:ext>
+                  </a:extLst>
+                </a:hlinkClick>
+              </a:rPr>
+              <a:t>JSON.parse</a:t>
+            </a:r>
+            <a:r>
+              <a:rPr lang="en-US" altLang="en-US" dirty="0"/>
+              <a:t> to read from JSON.</a:t>
+            </a:r>
+          </a:p>
+          <a:p>
+            <a:pPr marL="0" marR="0" lvl="0" indent="0" algn="l" defTabSz="914400" rtl="0" eaLnBrk="0" fontAlgn="base" latinLnBrk="0" hangingPunct="0">
+              <a:lnSpc>
+                <a:spcPct val="100000"/>
+              </a:lnSpc>
+              <a:spcBef>
+                <a:spcPct val="0"/>
+              </a:spcBef>
+              <a:spcAft>
+                <a:spcPct val="0"/>
+              </a:spcAft>
+              <a:buClrTx/>
+              <a:buSzTx/>
+              <a:buNone/>
+              <a:tabLst/>
+            </a:pPr>
+            <a:endParaRPr lang="en-US" altLang="en-US" dirty="0"/>
+          </a:p>
+          <a:p>
+            <a:pPr marR="0" lvl="0" algn="l" defTabSz="914400" rtl="0" eaLnBrk="0" fontAlgn="base" latinLnBrk="0" hangingPunct="0">
+              <a:lnSpc>
+                <a:spcPct val="100000"/>
+              </a:lnSpc>
+              <a:spcBef>
+                <a:spcPct val="0"/>
+              </a:spcBef>
+              <a:spcAft>
+                <a:spcPct val="0"/>
+              </a:spcAft>
+              <a:buClrTx/>
+              <a:buSzTx/>
+              <a:buFont typeface="Wingdings" panose="05000000000000000000" pitchFamily="2" charset="2"/>
+              <a:buChar char="Ø"/>
+              <a:tabLst/>
+            </a:pPr>
+            <a:r>
+              <a:rPr lang="en-US" altLang="en-US" dirty="0"/>
+              <a:t>Both methods support transformer functions for smart reading/writing.</a:t>
+            </a:r>
+          </a:p>
+          <a:p>
+            <a:pPr marL="0" marR="0" lvl="0" indent="0" algn="l" defTabSz="914400" rtl="0" eaLnBrk="0" fontAlgn="base" latinLnBrk="0" hangingPunct="0">
+              <a:lnSpc>
+                <a:spcPct val="100000"/>
+              </a:lnSpc>
+              <a:spcBef>
+                <a:spcPct val="0"/>
+              </a:spcBef>
+              <a:spcAft>
+                <a:spcPct val="0"/>
+              </a:spcAft>
+              <a:buClrTx/>
+              <a:buSzTx/>
+              <a:buFontTx/>
+              <a:buNone/>
+              <a:tabLst/>
+            </a:pPr>
+            <a:endParaRPr kumimoji="0" lang="en-US" altLang="en-US" sz="1800" b="0" i="0" u="none" strike="noStrike" cap="none" normalizeH="0" baseline="0" dirty="0">
+              <a:ln>
+                <a:noFill/>
+              </a:ln>
+              <a:solidFill>
+                <a:schemeClr val="tx1"/>
+              </a:solidFill>
+              <a:effectLst/>
+              <a:latin typeface="Arial" panose="020B0604020202020204" pitchFamily="34" charset="0"/>
+            </a:endParaRPr>
+          </a:p>
+        </p:txBody>
+      </p:sp>
+      <p:pic>
+        <p:nvPicPr>
+          <p:cNvPr id="6" name="Picture 5">
+            <a:extLst>
+              <a:ext uri="{FF2B5EF4-FFF2-40B4-BE49-F238E27FC236}">
+                <a16:creationId xmlns:a16="http://schemas.microsoft.com/office/drawing/2014/main" id="{77C040A3-580E-4954-AD4D-FC8428EEDC23}"/>
+              </a:ext>
+            </a:extLst>
+          </p:cNvPr>
+          <p:cNvPicPr>
+            <a:picLocks noChangeAspect="1"/>
+          </p:cNvPicPr>
+          <p:nvPr/>
+        </p:nvPicPr>
+        <p:blipFill>
+          <a:blip r:embed="rId5">
+            <a:extLst>
+              <a:ext uri="{28A0092B-C50C-407E-A947-70E740481C1C}">
+                <a14:useLocalDpi xmlns:a14="http://schemas.microsoft.com/office/drawing/2010/main" val="0"/>
+              </a:ext>
+            </a:extLst>
+          </a:blip>
+          <a:stretch>
+            <a:fillRect/>
+          </a:stretch>
+        </p:blipFill>
+        <p:spPr>
+          <a:xfrm>
+            <a:off x="9995454" y="5224330"/>
+            <a:ext cx="1905266" cy="1905266"/>
+          </a:xfrm>
+          <a:prstGeom prst="rect">
+            <a:avLst/>
+          </a:prstGeom>
+        </p:spPr>
+      </p:pic>
+    </p:spTree>
+    <p:extLst>
+      <p:ext uri="{BB962C8B-B14F-4D97-AF65-F5344CB8AC3E}">
+        <p14:creationId xmlns:p14="http://schemas.microsoft.com/office/powerpoint/2010/main" val="3473385821"/>
+      </p:ext>
+    </p:extLst>
+  </p:cSld>
+  <p:clrMapOvr>
+    <a:overrideClrMapping bg1="lt1" tx1="dk1" bg2="lt2" tx2="dk2" accent1="accent1" accent2="accent2" accent3="accent3" accent4="accent4" accent5="accent5" accent6="accent6" hlink="hlink" folHlink="folHlink"/>
+  </p:clrMapOvr>
+</p:sld>
+</file>
+
+<file path=ppt/slides/slide9.xml><?xml version="1.0" encoding="utf-8"?>
+<p:sld xmlns:a="http://schemas.openxmlformats.org/drawingml/2006/main" xmlns:r="http://schemas.openxmlformats.org/officeDocument/2006/relationships" xmlns:p="http://schemas.openxmlformats.org/presentationml/2006/main">
+  <p:cSld>
+    <p:bg>
+      <p:bgPr>
+        <a:solidFill>
+          <a:schemeClr val="bg1"/>
+        </a:solidFill>
+        <a:effectLst/>
+      </p:bgPr>
+    </p:bg>
+    <p:spTree>
+      <p:nvGrpSpPr>
+        <p:cNvPr id="1" name=""/>
+        <p:cNvGrpSpPr/>
+        <p:nvPr/>
+      </p:nvGrpSpPr>
+      <p:grpSpPr>
+        <a:xfrm>
+          <a:off x="0" y="0"/>
+          <a:ext cx="0" cy="0"/>
+          <a:chOff x="0" y="0"/>
+          <a:chExt cx="0" cy="0"/>
+        </a:xfrm>
+      </p:grpSpPr>
+      <p:sp>
+        <p:nvSpPr>
+          <p:cNvPr id="2" name="Title 1">
+            <a:extLst>
+              <a:ext uri="{FF2B5EF4-FFF2-40B4-BE49-F238E27FC236}">
                 <a16:creationId xmlns:a16="http://schemas.microsoft.com/office/drawing/2014/main" id="{6FA4A7EB-693A-4D9F-8AF4-442A3B2B3F27}"/>
               </a:ext>
             </a:extLst>
@@ -7684,27 +8140,36 @@
           <a:lstStyle/>
           <a:p>
             <a:r>
-              <a:rPr lang="en-IN" sz="2400">
+              <a:rPr lang="en-IN" sz="2400" dirty="0">
                 <a:hlinkClick r:id="rId2"/>
               </a:rPr>
               <a:t>https://www.ecma-international.org/publications-and-standards/standards/ecma-404/</a:t>
             </a:r>
-            <a:endParaRPr lang="en-IN" sz="2400"/>
-          </a:p>
-          <a:p>
-            <a:endParaRPr lang="en-IN" sz="2400"/>
-          </a:p>
-          <a:p>
-            <a:r>
-              <a:rPr lang="en-IN" sz="2400">
+            <a:endParaRPr lang="en-IN" sz="2400" dirty="0"/>
+          </a:p>
+          <a:p>
+            <a:endParaRPr lang="en-IN" sz="2400" dirty="0"/>
+          </a:p>
+          <a:p>
+            <a:r>
+              <a:rPr lang="en-IN" sz="2400" dirty="0">
                 <a:hlinkClick r:id="rId3"/>
               </a:rPr>
               <a:t>https://www.json.org/json-en.html</a:t>
             </a:r>
-            <a:endParaRPr lang="en-IN" sz="2400"/>
-          </a:p>
-          <a:p>
-            <a:endParaRPr lang="en-IN" sz="2400"/>
+            <a:endParaRPr lang="en-IN" sz="2400" dirty="0"/>
+          </a:p>
+          <a:p>
+            <a:endParaRPr lang="en-IN" sz="2400" dirty="0"/>
+          </a:p>
+          <a:p>
+            <a:r>
+              <a:rPr lang="en-IN" sz="2400" dirty="0"/>
+              <a:t>https://javascript.info/json</a:t>
+            </a:r>
+          </a:p>
+          <a:p>
+            <a:endParaRPr lang="en-IN" sz="2400" dirty="0"/>
           </a:p>
         </p:txBody>
       </p:sp>
@@ -8256,4 +8721,47 @@
     </a:folHlink>
   </a:clrScheme>
 </a:themeOverride>
+</file>
+
+<file path=ppt/theme/themeOverride2.xml><?xml version="1.0" encoding="utf-8"?>
+<a:themeOverride xmlns:a="http://schemas.openxmlformats.org/drawingml/2006/main">
+  <a:clrScheme name="Office">
+    <a:dk1>
+      <a:sysClr val="windowText" lastClr="000000"/>
+    </a:dk1>
+    <a:lt1>
+      <a:sysClr val="window" lastClr="FFFFFF"/>
+    </a:lt1>
+    <a:dk2>
+      <a:srgbClr val="44546A"/>
+    </a:dk2>
+    <a:lt2>
+      <a:srgbClr val="E7E6E6"/>
+    </a:lt2>
+    <a:accent1>
+      <a:srgbClr val="4472C4"/>
+    </a:accent1>
+    <a:accent2>
+      <a:srgbClr val="ED7D31"/>
+    </a:accent2>
+    <a:accent3>
+      <a:srgbClr val="A5A5A5"/>
+    </a:accent3>
+    <a:accent4>
+      <a:srgbClr val="FFC000"/>
+    </a:accent4>
+    <a:accent5>
+      <a:srgbClr val="5B9BD5"/>
+    </a:accent5>
+    <a:accent6>
+      <a:srgbClr val="70AD47"/>
+    </a:accent6>
+    <a:hlink>
+      <a:srgbClr val="0563C1"/>
+    </a:hlink>
+    <a:folHlink>
+      <a:srgbClr val="954F72"/>
+    </a:folHlink>
+  </a:clrScheme>
+</a:themeOverride>
 </file>